--- a/modelingNLP/poster.pptx
+++ b/modelingNLP/poster.pptx
@@ -4602,7 +4602,7 @@
             </a:r>
             <a:r>
               <a:rPr lang="en-US" sz="1200" dirty="0"/>
-              <a:t>none of the algorithms were able to satisfactorily surpass the baseline model accuracy. LR fit was better than RF in terms of model variability.  </a:t>
+              <a:t>none of the algorithms were able to satisfactorily surpass the baseline model accuracy. LR fit was better than SVM in terms of model variability.  </a:t>
             </a:r>
           </a:p>
           <a:p>
